--- a/머신러닝 교과서/13강/주요내용들.pptx
+++ b/머신러닝 교과서/13강/주요내용들.pptx
@@ -5,7 +5,7 @@
     <p:sldMasterId id="2147483648" r:id="rId1"/>
   </p:sldMasterIdLst>
   <p:notesMasterIdLst>
-    <p:notesMasterId r:id="rId10"/>
+    <p:notesMasterId r:id="rId9"/>
   </p:notesMasterIdLst>
   <p:sldIdLst>
     <p:sldId id="256" r:id="rId2"/>
@@ -13,9 +13,8 @@
     <p:sldId id="258" r:id="rId4"/>
     <p:sldId id="259" r:id="rId5"/>
     <p:sldId id="260" r:id="rId6"/>
-    <p:sldId id="261" r:id="rId7"/>
-    <p:sldId id="262" r:id="rId8"/>
-    <p:sldId id="263" r:id="rId9"/>
+    <p:sldId id="262" r:id="rId7"/>
+    <p:sldId id="263" r:id="rId8"/>
   </p:sldIdLst>
   <p:sldSz cx="11704638" cy="8778875"/>
   <p:notesSz cx="8778875" cy="11704638"/>
@@ -1052,90 +1051,6 @@
 </p:notes>
 </file>
 
-<file path=ppt/notesSlides/notesSlide8.xml><?xml version="1.0" encoding="utf-8"?>
-<p:notes xmlns:a="http://schemas.openxmlformats.org/drawingml/2006/main" xmlns:r="http://schemas.openxmlformats.org/officeDocument/2006/relationships" xmlns:p="http://schemas.openxmlformats.org/presentationml/2006/main">
-  <p:cSld>
-    <p:spTree>
-      <p:nvGrpSpPr>
-        <p:cNvPr id="1" name=""/>
-        <p:cNvGrpSpPr/>
-        <p:nvPr/>
-      </p:nvGrpSpPr>
-      <p:grpSpPr>
-        <a:xfrm>
-          <a:off x="0" y="0"/>
-          <a:ext cx="0" cy="0"/>
-          <a:chOff x="0" y="0"/>
-          <a:chExt cx="0" cy="0"/>
-        </a:xfrm>
-      </p:grpSpPr>
-      <p:sp>
-        <p:nvSpPr>
-          <p:cNvPr id="2" name="Slide Image Placeholder 1"/>
-          <p:cNvSpPr>
-            <a:spLocks noGrp="1" noRot="1" noChangeAspect="1"/>
-          </p:cNvSpPr>
-          <p:nvPr>
-            <p:ph type="sldImg"/>
-          </p:nvPr>
-        </p:nvSpPr>
-        <p:spPr/>
-      </p:sp>
-      <p:sp>
-        <p:nvSpPr>
-          <p:cNvPr id="3" name="Notes Placeholder 2"/>
-          <p:cNvSpPr>
-            <a:spLocks noGrp="1"/>
-          </p:cNvSpPr>
-          <p:nvPr>
-            <p:ph type="body" idx="1"/>
-          </p:nvPr>
-        </p:nvSpPr>
-        <p:spPr/>
-        <p:txBody>
-          <a:bodyPr/>
-          <a:lstStyle/>
-          <a:p>
-            <a:endParaRPr lang="en-US" dirty="0"/>
-          </a:p>
-        </p:txBody>
-      </p:sp>
-      <p:sp>
-        <p:nvSpPr>
-          <p:cNvPr id="4" name="Slide Number Placeholder 3"/>
-          <p:cNvSpPr>
-            <a:spLocks noGrp="1"/>
-          </p:cNvSpPr>
-          <p:nvPr>
-            <p:ph type="sldNum" sz="quarter" idx="10"/>
-          </p:nvPr>
-        </p:nvSpPr>
-        <p:spPr/>
-        <p:txBody>
-          <a:bodyPr/>
-          <a:lstStyle/>
-          <a:p>
-            <a:fld id="{F7021451-1387-4CA6-816F-3879F97B5CBC}" type="slidenum">
-              <a:rPr lang="en-US"/>
-              <a:t>8</a:t>
-            </a:fld>
-            <a:endParaRPr lang="en-US"/>
-          </a:p>
-        </p:txBody>
-      </p:sp>
-    </p:spTree>
-    <p:extLst>
-      <p:ext uri="{BB962C8B-B14F-4D97-AF65-F5344CB8AC3E}">
-        <p14:creationId xmlns:p14="http://schemas.microsoft.com/office/powerpoint/2010/main" val="1024086991"/>
-      </p:ext>
-    </p:extLst>
-  </p:cSld>
-  <p:clrMapOvr>
-    <a:masterClrMapping/>
-  </p:clrMapOvr>
-</p:notes>
-</file>
-
 <file path=ppt/slideLayouts/slideLayout1.xml><?xml version="1.0" encoding="utf-8"?>
 <p:sldLayout xmlns:a="http://schemas.openxmlformats.org/drawingml/2006/main" xmlns:r="http://schemas.openxmlformats.org/officeDocument/2006/relationships" xmlns:p="http://schemas.openxmlformats.org/presentationml/2006/main" preserve="1">
   <p:cSld name="DEFAULT">
@@ -1566,6 +1481,13 @@
   <p:clrMapOvr>
     <a:masterClrMapping/>
   </p:clrMapOvr>
+  <p:timing>
+    <p:tnLst>
+      <p:par>
+        <p:cTn id="1" dur="indefinite" restart="never" nodeType="tmRoot"/>
+      </p:par>
+    </p:tnLst>
+  </p:timing>
 </p:sld>
 </file>
 
@@ -1831,6 +1753,13 @@
   <p:clrMapOvr>
     <a:masterClrMapping/>
   </p:clrMapOvr>
+  <p:timing>
+    <p:tnLst>
+      <p:par>
+        <p:cTn id="1" dur="indefinite" restart="never" nodeType="tmRoot"/>
+      </p:par>
+    </p:tnLst>
+  </p:timing>
 </p:sld>
 </file>
 
@@ -1976,6 +1905,13 @@
   <p:clrMapOvr>
     <a:masterClrMapping/>
   </p:clrMapOvr>
+  <p:timing>
+    <p:tnLst>
+      <p:par>
+        <p:cTn id="1" dur="indefinite" restart="never" nodeType="tmRoot"/>
+      </p:par>
+    </p:tnLst>
+  </p:timing>
 </p:sld>
 </file>
 
@@ -2241,6 +2177,13 @@
   <p:clrMapOvr>
     <a:masterClrMapping/>
   </p:clrMapOvr>
+  <p:timing>
+    <p:tnLst>
+      <p:par>
+        <p:cTn id="1" dur="indefinite" restart="never" nodeType="tmRoot"/>
+      </p:par>
+    </p:tnLst>
+  </p:timing>
 </p:sld>
 </file>
 
@@ -2362,155 +2305,17 @@
   <p:clrMapOvr>
     <a:masterClrMapping/>
   </p:clrMapOvr>
+  <p:timing>
+    <p:tnLst>
+      <p:par>
+        <p:cTn id="1" dur="indefinite" restart="never" nodeType="tmRoot"/>
+      </p:par>
+    </p:tnLst>
+  </p:timing>
 </p:sld>
 </file>
 
 <file path=ppt/slides/slide6.xml><?xml version="1.0" encoding="utf-8"?>
-<p:sld xmlns:a="http://schemas.openxmlformats.org/drawingml/2006/main" xmlns:r="http://schemas.openxmlformats.org/officeDocument/2006/relationships" xmlns:p="http://schemas.openxmlformats.org/presentationml/2006/main">
-  <p:cSld name="Slide 6">
-    <p:spTree>
-      <p:nvGrpSpPr>
-        <p:cNvPr id="1" name=""/>
-        <p:cNvGrpSpPr/>
-        <p:nvPr/>
-      </p:nvGrpSpPr>
-      <p:grpSpPr>
-        <a:xfrm>
-          <a:off x="0" y="0"/>
-          <a:ext cx="0" cy="0"/>
-          <a:chOff x="0" y="0"/>
-          <a:chExt cx="0" cy="0"/>
-        </a:xfrm>
-      </p:grpSpPr>
-      <p:pic>
-        <p:nvPicPr>
-          <p:cNvPr id="2" name="Object 1" descr="preencoded.png"/>
-          <p:cNvPicPr>
-            <a:picLocks noChangeAspect="1"/>
-          </p:cNvPicPr>
-          <p:nvPr/>
-        </p:nvPicPr>
-        <p:blipFill>
-          <a:blip r:embed="rId3"/>
-          <a:stretch>
-            <a:fillRect/>
-          </a:stretch>
-        </p:blipFill>
-        <p:spPr>
-          <a:xfrm>
-            <a:off x="0" y="0"/>
-            <a:ext cx="11704320" cy="8778240"/>
-          </a:xfrm>
-          <a:prstGeom prst="rect">
-            <a:avLst/>
-          </a:prstGeom>
-        </p:spPr>
-      </p:pic>
-      <p:pic>
-        <p:nvPicPr>
-          <p:cNvPr id="3" name="Object 2" descr="preencoded.png"/>
-          <p:cNvPicPr>
-            <a:picLocks noChangeAspect="1"/>
-          </p:cNvPicPr>
-          <p:nvPr/>
-        </p:nvPicPr>
-        <p:blipFill>
-          <a:blip r:embed="rId4"/>
-          <a:stretch>
-            <a:fillRect/>
-          </a:stretch>
-        </p:blipFill>
-        <p:spPr>
-          <a:xfrm>
-            <a:off x="955119" y="450342"/>
-            <a:ext cx="2679049" cy="1161288"/>
-          </a:xfrm>
-          <a:prstGeom prst="rect">
-            <a:avLst/>
-          </a:prstGeom>
-        </p:spPr>
-      </p:pic>
-      <p:pic>
-        <p:nvPicPr>
-          <p:cNvPr id="4" name="Object 3" descr="preencoded.png"/>
-          <p:cNvPicPr>
-            <a:picLocks noChangeAspect="1"/>
-          </p:cNvPicPr>
-          <p:nvPr/>
-        </p:nvPicPr>
-        <p:blipFill>
-          <a:blip r:embed="rId5"/>
-          <a:stretch>
-            <a:fillRect/>
-          </a:stretch>
-        </p:blipFill>
-        <p:spPr>
-          <a:xfrm>
-            <a:off x="954977" y="1937956"/>
-            <a:ext cx="4204668" cy="1380744"/>
-          </a:xfrm>
-          <a:prstGeom prst="rect">
-            <a:avLst/>
-          </a:prstGeom>
-        </p:spPr>
-      </p:pic>
-      <p:pic>
-        <p:nvPicPr>
-          <p:cNvPr id="5" name="Object 4" descr="preencoded.png"/>
-          <p:cNvPicPr>
-            <a:picLocks noChangeAspect="1"/>
-          </p:cNvPicPr>
-          <p:nvPr/>
-        </p:nvPicPr>
-        <p:blipFill>
-          <a:blip r:embed="rId6"/>
-          <a:stretch>
-            <a:fillRect/>
-          </a:stretch>
-        </p:blipFill>
-        <p:spPr>
-          <a:xfrm>
-            <a:off x="954977" y="2759916"/>
-            <a:ext cx="4204668" cy="1252728"/>
-          </a:xfrm>
-          <a:prstGeom prst="rect">
-            <a:avLst/>
-          </a:prstGeom>
-        </p:spPr>
-      </p:pic>
-      <p:pic>
-        <p:nvPicPr>
-          <p:cNvPr id="6" name="Object 5" descr="preencoded.png"/>
-          <p:cNvPicPr>
-            <a:picLocks noChangeAspect="1"/>
-          </p:cNvPicPr>
-          <p:nvPr/>
-        </p:nvPicPr>
-        <p:blipFill>
-          <a:blip r:embed="rId7"/>
-          <a:stretch>
-            <a:fillRect/>
-          </a:stretch>
-        </p:blipFill>
-        <p:spPr>
-          <a:xfrm>
-            <a:off x="954977" y="3098244"/>
-            <a:ext cx="6361081" cy="3218688"/>
-          </a:xfrm>
-          <a:prstGeom prst="rect">
-            <a:avLst/>
-          </a:prstGeom>
-        </p:spPr>
-      </p:pic>
-    </p:spTree>
-  </p:cSld>
-  <p:clrMapOvr>
-    <a:masterClrMapping/>
-  </p:clrMapOvr>
-</p:sld>
-</file>
-
-<file path=ppt/slides/slide7.xml><?xml version="1.0" encoding="utf-8"?>
 <p:sld xmlns:a="http://schemas.openxmlformats.org/drawingml/2006/main" xmlns:r="http://schemas.openxmlformats.org/officeDocument/2006/relationships" xmlns:p="http://schemas.openxmlformats.org/presentationml/2006/main">
   <p:cSld name="Slide 7">
     <p:spTree>
@@ -2772,10 +2577,17 @@
   <p:clrMapOvr>
     <a:masterClrMapping/>
   </p:clrMapOvr>
+  <p:timing>
+    <p:tnLst>
+      <p:par>
+        <p:cTn id="1" dur="indefinite" restart="never" nodeType="tmRoot"/>
+      </p:par>
+    </p:tnLst>
+  </p:timing>
 </p:sld>
 </file>
 
-<file path=ppt/slides/slide8.xml><?xml version="1.0" encoding="utf-8"?>
+<file path=ppt/slides/slide7.xml><?xml version="1.0" encoding="utf-8"?>
 <p:sld xmlns:a="http://schemas.openxmlformats.org/drawingml/2006/main" xmlns:r="http://schemas.openxmlformats.org/officeDocument/2006/relationships" xmlns:p="http://schemas.openxmlformats.org/presentationml/2006/main">
   <p:cSld name="Slide 8">
     <p:spTree>
@@ -2917,6 +2729,13 @@
   <p:clrMapOvr>
     <a:masterClrMapping/>
   </p:clrMapOvr>
+  <p:timing>
+    <p:tnLst>
+      <p:par>
+        <p:cTn id="1" dur="indefinite" restart="never" nodeType="tmRoot"/>
+      </p:par>
+    </p:tnLst>
+  </p:timing>
 </p:sld>
 </file>
 
@@ -3209,7 +3028,7 @@
   <a:extraClrSchemeLst/>
   <a:extLst>
     <a:ext uri="{05A4C25C-085E-4340-85A3-A5531E510DB2}">
-      <thm15:themeFamily xmlns:thm15="http://schemas.microsoft.com/office/thememl/2012/main" xmlns="" name="Office Theme" id="{62F939B6-93AF-4DB8-9C6B-D6C7DFDC589F}" vid="{4A3C46E8-61CC-4603-A589-7422A47A8E4A}"/>
+      <thm15:themeFamily xmlns="" xmlns:thm15="http://schemas.microsoft.com/office/thememl/2012/main" name="Office Theme" id="{62F939B6-93AF-4DB8-9C6B-D6C7DFDC589F}" vid="{4A3C46E8-61CC-4603-A589-7422A47A8E4A}"/>
     </a:ext>
   </a:extLst>
 </a:theme>
